--- a/ITTalentsPresentation.pptx
+++ b/ITTalentsPresentation.pptx
@@ -8,11 +8,12 @@
     <p:sldId id="256" r:id="rId2"/>
     <p:sldId id="257" r:id="rId3"/>
     <p:sldId id="258" r:id="rId4"/>
-    <p:sldId id="261" r:id="rId5"/>
-    <p:sldId id="262" r:id="rId6"/>
-    <p:sldId id="263" r:id="rId7"/>
-    <p:sldId id="264" r:id="rId8"/>
-    <p:sldId id="265" r:id="rId9"/>
+    <p:sldId id="266" r:id="rId5"/>
+    <p:sldId id="261" r:id="rId6"/>
+    <p:sldId id="262" r:id="rId7"/>
+    <p:sldId id="263" r:id="rId8"/>
+    <p:sldId id="264" r:id="rId9"/>
+    <p:sldId id="265" r:id="rId10"/>
   </p:sldIdLst>
   <p:sldSz cx="9144000" cy="6858000" type="screen4x3"/>
   <p:notesSz cx="6858000" cy="9144000"/>
@@ -111,7 +112,32 @@
       </a:defRPr>
     </a:lvl9pPr>
   </p:defaultTextStyle>
+  <p:extLst>
+    <p:ext uri="{EFAFB233-063F-42B5-8137-9DF3F51BA10A}">
+      <p15:sldGuideLst xmlns="" xmlns:p15="http://schemas.microsoft.com/office/powerpoint/2012/main">
+        <p15:guide id="1" orient="horz" pos="2160">
+          <p15:clr>
+            <a:srgbClr val="A4A3A4"/>
+          </p15:clr>
+        </p15:guide>
+        <p15:guide id="2" pos="2880">
+          <p15:clr>
+            <a:srgbClr val="A4A3A4"/>
+          </p15:clr>
+        </p15:guide>
+      </p15:sldGuideLst>
+    </p:ext>
+  </p:extLst>
 </p:presentation>
+</file>
+
+<file path=ppt/revisionInfo.xml><?xml version="1.0" encoding="utf-8"?>
+<p1510:revInfo xmlns:a="http://schemas.openxmlformats.org/drawingml/2006/main" xmlns:r="http://schemas.openxmlformats.org/officeDocument/2006/relationships" xmlns:p1510="http://schemas.microsoft.com/office/powerpoint/2015/10/main">
+  <p1510:revLst>
+    <p1510:client id="{067F291E-BEC8-48F1-8A74-5A5AB9591049}" v="2" dt="2021-04-04T20:40:36.703"/>
+    <p1510:client id="{E6D3C646-06BF-4EFC-BAF4-058399484D6E}" v="7" dt="2021-04-05T07:22:13.936"/>
+  </p1510:revLst>
+</p1510:revInfo>
 </file>
 
 <file path=ppt/slideLayouts/slideLayout1.xml><?xml version="1.0" encoding="utf-8"?>
@@ -187,10 +213,9 @@
           </a:lstStyle>
           <a:p>
             <a:r>
-              <a:rPr kumimoji="0" lang="en-US" smtClean="0"/>
+              <a:rPr kumimoji="0" lang="en-US"/>
               <a:t>Click to edit Master subtitle style</a:t>
             </a:r>
-            <a:endParaRPr kumimoji="0" lang="en-US"/>
           </a:p>
         </p:txBody>
       </p:sp>
@@ -245,10 +270,9 @@
           </a:lstStyle>
           <a:p>
             <a:r>
-              <a:rPr kumimoji="0" lang="en-US" smtClean="0"/>
+              <a:rPr kumimoji="0" lang="en-US"/>
               <a:t>Click to edit Master title style</a:t>
             </a:r>
-            <a:endParaRPr kumimoji="0" lang="en-US"/>
           </a:p>
         </p:txBody>
       </p:sp>
@@ -404,7 +428,7 @@
           <a:p>
             <a:fld id="{B0E493D3-38AC-4F2B-95A3-6569A6B79874}" type="datetimeFigureOut">
               <a:rPr lang="bg-BG" smtClean="0"/>
-              <a:t>4.4.2021 г.</a:t>
+              <a:t>6.4.2021 г.</a:t>
             </a:fld>
             <a:endParaRPr lang="bg-BG"/>
           </a:p>
@@ -493,10 +517,9 @@
           <a:lstStyle/>
           <a:p>
             <a:r>
-              <a:rPr kumimoji="0" lang="en-US" smtClean="0"/>
+              <a:rPr kumimoji="0" lang="en-US"/>
               <a:t>Click to edit Master title style</a:t>
             </a:r>
-            <a:endParaRPr kumimoji="0" lang="en-US"/>
           </a:p>
         </p:txBody>
       </p:sp>
@@ -517,35 +540,35 @@
           <a:p>
             <a:pPr lvl="0" eaLnBrk="1" latinLnBrk="0" hangingPunct="1"/>
             <a:r>
-              <a:rPr lang="en-US" smtClean="0"/>
+              <a:rPr lang="en-US"/>
               <a:t>Click to edit Master text styles</a:t>
             </a:r>
           </a:p>
           <a:p>
             <a:pPr lvl="1" eaLnBrk="1" latinLnBrk="0" hangingPunct="1"/>
             <a:r>
-              <a:rPr lang="en-US" smtClean="0"/>
+              <a:rPr lang="en-US"/>
               <a:t>Second level</a:t>
             </a:r>
           </a:p>
           <a:p>
             <a:pPr lvl="2" eaLnBrk="1" latinLnBrk="0" hangingPunct="1"/>
             <a:r>
-              <a:rPr lang="en-US" smtClean="0"/>
+              <a:rPr lang="en-US"/>
               <a:t>Third level</a:t>
             </a:r>
           </a:p>
           <a:p>
             <a:pPr lvl="3" eaLnBrk="1" latinLnBrk="0" hangingPunct="1"/>
             <a:r>
-              <a:rPr lang="en-US" smtClean="0"/>
+              <a:rPr lang="en-US"/>
               <a:t>Fourth level</a:t>
             </a:r>
           </a:p>
           <a:p>
             <a:pPr lvl="4" eaLnBrk="1" latinLnBrk="0" hangingPunct="1"/>
             <a:r>
-              <a:rPr lang="en-US" smtClean="0"/>
+              <a:rPr lang="en-US"/>
               <a:t>Fifth level</a:t>
             </a:r>
             <a:endParaRPr kumimoji="0" lang="en-US"/>
@@ -569,7 +592,7 @@
           <a:p>
             <a:fld id="{B0E493D3-38AC-4F2B-95A3-6569A6B79874}" type="datetimeFigureOut">
               <a:rPr lang="bg-BG" smtClean="0"/>
-              <a:t>4.4.2021 г.</a:t>
+              <a:t>6.4.2021 г.</a:t>
             </a:fld>
             <a:endParaRPr lang="bg-BG"/>
           </a:p>
@@ -663,10 +686,9 @@
           <a:lstStyle/>
           <a:p>
             <a:r>
-              <a:rPr kumimoji="0" lang="en-US" smtClean="0"/>
+              <a:rPr kumimoji="0" lang="en-US"/>
               <a:t>Click to edit Master title style</a:t>
             </a:r>
-            <a:endParaRPr kumimoji="0" lang="en-US"/>
           </a:p>
         </p:txBody>
       </p:sp>
@@ -692,35 +714,35 @@
           <a:p>
             <a:pPr lvl="0" eaLnBrk="1" latinLnBrk="0" hangingPunct="1"/>
             <a:r>
-              <a:rPr lang="en-US" smtClean="0"/>
+              <a:rPr lang="en-US"/>
               <a:t>Click to edit Master text styles</a:t>
             </a:r>
           </a:p>
           <a:p>
             <a:pPr lvl="1" eaLnBrk="1" latinLnBrk="0" hangingPunct="1"/>
             <a:r>
-              <a:rPr lang="en-US" smtClean="0"/>
+              <a:rPr lang="en-US"/>
               <a:t>Second level</a:t>
             </a:r>
           </a:p>
           <a:p>
             <a:pPr lvl="2" eaLnBrk="1" latinLnBrk="0" hangingPunct="1"/>
             <a:r>
-              <a:rPr lang="en-US" smtClean="0"/>
+              <a:rPr lang="en-US"/>
               <a:t>Third level</a:t>
             </a:r>
           </a:p>
           <a:p>
             <a:pPr lvl="3" eaLnBrk="1" latinLnBrk="0" hangingPunct="1"/>
             <a:r>
-              <a:rPr lang="en-US" smtClean="0"/>
+              <a:rPr lang="en-US"/>
               <a:t>Fourth level</a:t>
             </a:r>
           </a:p>
           <a:p>
             <a:pPr lvl="4" eaLnBrk="1" latinLnBrk="0" hangingPunct="1"/>
             <a:r>
-              <a:rPr lang="en-US" smtClean="0"/>
+              <a:rPr lang="en-US"/>
               <a:t>Fifth level</a:t>
             </a:r>
             <a:endParaRPr kumimoji="0" lang="en-US"/>
@@ -744,7 +766,7 @@
           <a:p>
             <a:fld id="{B0E493D3-38AC-4F2B-95A3-6569A6B79874}" type="datetimeFigureOut">
               <a:rPr lang="bg-BG" smtClean="0"/>
-              <a:t>4.4.2021 г.</a:t>
+              <a:t>6.4.2021 г.</a:t>
             </a:fld>
             <a:endParaRPr lang="bg-BG"/>
           </a:p>
@@ -839,35 +861,35 @@
           <a:p>
             <a:pPr lvl="0" eaLnBrk="1" latinLnBrk="0" hangingPunct="1"/>
             <a:r>
-              <a:rPr lang="en-US" smtClean="0"/>
+              <a:rPr lang="en-US"/>
               <a:t>Click to edit Master text styles</a:t>
             </a:r>
           </a:p>
           <a:p>
             <a:pPr lvl="1" eaLnBrk="1" latinLnBrk="0" hangingPunct="1"/>
             <a:r>
-              <a:rPr lang="en-US" smtClean="0"/>
+              <a:rPr lang="en-US"/>
               <a:t>Second level</a:t>
             </a:r>
           </a:p>
           <a:p>
             <a:pPr lvl="2" eaLnBrk="1" latinLnBrk="0" hangingPunct="1"/>
             <a:r>
-              <a:rPr lang="en-US" smtClean="0"/>
+              <a:rPr lang="en-US"/>
               <a:t>Third level</a:t>
             </a:r>
           </a:p>
           <a:p>
             <a:pPr lvl="3" eaLnBrk="1" latinLnBrk="0" hangingPunct="1"/>
             <a:r>
-              <a:rPr lang="en-US" smtClean="0"/>
+              <a:rPr lang="en-US"/>
               <a:t>Fourth level</a:t>
             </a:r>
           </a:p>
           <a:p>
             <a:pPr lvl="4" eaLnBrk="1" latinLnBrk="0" hangingPunct="1"/>
             <a:r>
-              <a:rPr lang="en-US" smtClean="0"/>
+              <a:rPr lang="en-US"/>
               <a:t>Fifth level</a:t>
             </a:r>
             <a:endParaRPr kumimoji="0" lang="en-US"/>
@@ -891,7 +913,7 @@
           <a:p>
             <a:fld id="{B0E493D3-38AC-4F2B-95A3-6569A6B79874}" type="datetimeFigureOut">
               <a:rPr lang="bg-BG" smtClean="0"/>
-              <a:t>4.4.2021 г.</a:t>
+              <a:t>6.4.2021 г.</a:t>
             </a:fld>
             <a:endParaRPr lang="bg-BG"/>
           </a:p>
@@ -959,10 +981,9 @@
           <a:lstStyle/>
           <a:p>
             <a:r>
-              <a:rPr kumimoji="0" lang="en-US" smtClean="0"/>
+              <a:rPr kumimoji="0" lang="en-US"/>
               <a:t>Click to edit Master title style</a:t>
             </a:r>
-            <a:endParaRPr kumimoji="0" lang="en-US"/>
           </a:p>
         </p:txBody>
       </p:sp>
@@ -1008,7 +1029,7 @@
           <a:p>
             <a:fld id="{B0E493D3-38AC-4F2B-95A3-6569A6B79874}" type="datetimeFigureOut">
               <a:rPr lang="bg-BG" smtClean="0"/>
-              <a:t>4.4.2021 г.</a:t>
+              <a:t>6.4.2021 г.</a:t>
             </a:fld>
             <a:endParaRPr lang="bg-BG"/>
           </a:p>
@@ -1108,10 +1129,9 @@
           </a:lstStyle>
           <a:p>
             <a:r>
-              <a:rPr kumimoji="0" lang="en-US" smtClean="0"/>
+              <a:rPr kumimoji="0" lang="en-US"/>
               <a:t>Click to edit Master title style</a:t>
             </a:r>
-            <a:endParaRPr kumimoji="0" lang="en-US"/>
           </a:p>
         </p:txBody>
       </p:sp>
@@ -1186,7 +1206,7 @@
           <a:p>
             <a:pPr lvl="0" eaLnBrk="1" latinLnBrk="0" hangingPunct="1"/>
             <a:r>
-              <a:rPr kumimoji="0" lang="en-US" smtClean="0"/>
+              <a:rPr kumimoji="0" lang="en-US"/>
               <a:t>Click to edit Master text styles</a:t>
             </a:r>
           </a:p>
@@ -1278,7 +1298,7 @@
           <a:p>
             <a:fld id="{B0E493D3-38AC-4F2B-95A3-6569A6B79874}" type="datetimeFigureOut">
               <a:rPr lang="bg-BG" smtClean="0"/>
-              <a:t>4.4.2021 г.</a:t>
+              <a:t>6.4.2021 г.</a:t>
             </a:fld>
             <a:endParaRPr lang="bg-BG"/>
           </a:p>
@@ -1342,10 +1362,9 @@
           <a:lstStyle/>
           <a:p>
             <a:r>
-              <a:rPr kumimoji="0" lang="en-US" smtClean="0"/>
+              <a:rPr kumimoji="0" lang="en-US"/>
               <a:t>Click to edit Master title style</a:t>
             </a:r>
-            <a:endParaRPr kumimoji="0" lang="en-US"/>
           </a:p>
         </p:txBody>
       </p:sp>
@@ -1371,35 +1390,35 @@
           <a:p>
             <a:pPr lvl="0" eaLnBrk="1" latinLnBrk="0" hangingPunct="1"/>
             <a:r>
-              <a:rPr lang="en-US" smtClean="0"/>
+              <a:rPr lang="en-US"/>
               <a:t>Click to edit Master text styles</a:t>
             </a:r>
           </a:p>
           <a:p>
             <a:pPr lvl="1" eaLnBrk="1" latinLnBrk="0" hangingPunct="1"/>
             <a:r>
-              <a:rPr lang="en-US" smtClean="0"/>
+              <a:rPr lang="en-US"/>
               <a:t>Second level</a:t>
             </a:r>
           </a:p>
           <a:p>
             <a:pPr lvl="2" eaLnBrk="1" latinLnBrk="0" hangingPunct="1"/>
             <a:r>
-              <a:rPr lang="en-US" smtClean="0"/>
+              <a:rPr lang="en-US"/>
               <a:t>Third level</a:t>
             </a:r>
           </a:p>
           <a:p>
             <a:pPr lvl="3" eaLnBrk="1" latinLnBrk="0" hangingPunct="1"/>
             <a:r>
-              <a:rPr lang="en-US" smtClean="0"/>
+              <a:rPr lang="en-US"/>
               <a:t>Fourth level</a:t>
             </a:r>
           </a:p>
           <a:p>
             <a:pPr lvl="4" eaLnBrk="1" latinLnBrk="0" hangingPunct="1"/>
             <a:r>
-              <a:rPr lang="en-US" smtClean="0"/>
+              <a:rPr lang="en-US"/>
               <a:t>Fifth level</a:t>
             </a:r>
             <a:endParaRPr kumimoji="0" lang="en-US"/>
@@ -1428,35 +1447,35 @@
           <a:p>
             <a:pPr lvl="0" eaLnBrk="1" latinLnBrk="0" hangingPunct="1"/>
             <a:r>
-              <a:rPr lang="en-US" smtClean="0"/>
+              <a:rPr lang="en-US"/>
               <a:t>Click to edit Master text styles</a:t>
             </a:r>
           </a:p>
           <a:p>
             <a:pPr lvl="1" eaLnBrk="1" latinLnBrk="0" hangingPunct="1"/>
             <a:r>
-              <a:rPr lang="en-US" smtClean="0"/>
+              <a:rPr lang="en-US"/>
               <a:t>Second level</a:t>
             </a:r>
           </a:p>
           <a:p>
             <a:pPr lvl="2" eaLnBrk="1" latinLnBrk="0" hangingPunct="1"/>
             <a:r>
-              <a:rPr lang="en-US" smtClean="0"/>
+              <a:rPr lang="en-US"/>
               <a:t>Third level</a:t>
             </a:r>
           </a:p>
           <a:p>
             <a:pPr lvl="3" eaLnBrk="1" latinLnBrk="0" hangingPunct="1"/>
             <a:r>
-              <a:rPr lang="en-US" smtClean="0"/>
+              <a:rPr lang="en-US"/>
               <a:t>Fourth level</a:t>
             </a:r>
           </a:p>
           <a:p>
             <a:pPr lvl="4" eaLnBrk="1" latinLnBrk="0" hangingPunct="1"/>
             <a:r>
-              <a:rPr lang="en-US" smtClean="0"/>
+              <a:rPr lang="en-US"/>
               <a:t>Fifth level</a:t>
             </a:r>
             <a:endParaRPr kumimoji="0" lang="en-US"/>
@@ -1547,7 +1566,7 @@
           <a:p>
             <a:fld id="{B0E493D3-38AC-4F2B-95A3-6569A6B79874}" type="datetimeFigureOut">
               <a:rPr lang="bg-BG" smtClean="0"/>
-              <a:t>4.4.2021 г.</a:t>
+              <a:t>6.4.2021 г.</a:t>
             </a:fld>
             <a:endParaRPr lang="bg-BG"/>
           </a:p>
@@ -1628,7 +1647,7 @@
           <a:p>
             <a:pPr lvl="0" eaLnBrk="1" latinLnBrk="0" hangingPunct="1"/>
             <a:r>
-              <a:rPr kumimoji="0" lang="en-US" smtClean="0"/>
+              <a:rPr kumimoji="0" lang="en-US"/>
               <a:t>Click to edit Master text styles</a:t>
             </a:r>
           </a:p>
@@ -1656,35 +1675,35 @@
           <a:p>
             <a:pPr lvl="0" eaLnBrk="1" latinLnBrk="0" hangingPunct="1"/>
             <a:r>
-              <a:rPr lang="en-US" smtClean="0"/>
+              <a:rPr lang="en-US"/>
               <a:t>Click to edit Master text styles</a:t>
             </a:r>
           </a:p>
           <a:p>
             <a:pPr lvl="1" eaLnBrk="1" latinLnBrk="0" hangingPunct="1"/>
             <a:r>
-              <a:rPr lang="en-US" smtClean="0"/>
+              <a:rPr lang="en-US"/>
               <a:t>Second level</a:t>
             </a:r>
           </a:p>
           <a:p>
             <a:pPr lvl="2" eaLnBrk="1" latinLnBrk="0" hangingPunct="1"/>
             <a:r>
-              <a:rPr lang="en-US" smtClean="0"/>
+              <a:rPr lang="en-US"/>
               <a:t>Third level</a:t>
             </a:r>
           </a:p>
           <a:p>
             <a:pPr lvl="3" eaLnBrk="1" latinLnBrk="0" hangingPunct="1"/>
             <a:r>
-              <a:rPr lang="en-US" smtClean="0"/>
+              <a:rPr lang="en-US"/>
               <a:t>Fourth level</a:t>
             </a:r>
           </a:p>
           <a:p>
             <a:pPr lvl="4" eaLnBrk="1" latinLnBrk="0" hangingPunct="1"/>
             <a:r>
-              <a:rPr lang="en-US" smtClean="0"/>
+              <a:rPr lang="en-US"/>
               <a:t>Fifth level</a:t>
             </a:r>
             <a:endParaRPr kumimoji="0" lang="en-US"/>
@@ -1713,35 +1732,35 @@
           <a:p>
             <a:pPr lvl="0" eaLnBrk="1" latinLnBrk="0" hangingPunct="1"/>
             <a:r>
-              <a:rPr lang="en-US" smtClean="0"/>
+              <a:rPr lang="en-US"/>
               <a:t>Click to edit Master text styles</a:t>
             </a:r>
           </a:p>
           <a:p>
             <a:pPr lvl="1" eaLnBrk="1" latinLnBrk="0" hangingPunct="1"/>
             <a:r>
-              <a:rPr lang="en-US" smtClean="0"/>
+              <a:rPr lang="en-US"/>
               <a:t>Second level</a:t>
             </a:r>
           </a:p>
           <a:p>
             <a:pPr lvl="2" eaLnBrk="1" latinLnBrk="0" hangingPunct="1"/>
             <a:r>
-              <a:rPr lang="en-US" smtClean="0"/>
+              <a:rPr lang="en-US"/>
               <a:t>Third level</a:t>
             </a:r>
           </a:p>
           <a:p>
             <a:pPr lvl="3" eaLnBrk="1" latinLnBrk="0" hangingPunct="1"/>
             <a:r>
-              <a:rPr lang="en-US" smtClean="0"/>
+              <a:rPr lang="en-US"/>
               <a:t>Fourth level</a:t>
             </a:r>
           </a:p>
           <a:p>
             <a:pPr lvl="4" eaLnBrk="1" latinLnBrk="0" hangingPunct="1"/>
             <a:r>
-              <a:rPr lang="en-US" smtClean="0"/>
+              <a:rPr lang="en-US"/>
               <a:t>Fifth level</a:t>
             </a:r>
             <a:endParaRPr kumimoji="0" lang="en-US"/>
@@ -1773,10 +1792,9 @@
           </a:lstStyle>
           <a:p>
             <a:r>
-              <a:rPr kumimoji="0" lang="en-US" smtClean="0"/>
+              <a:rPr kumimoji="0" lang="en-US"/>
               <a:t>Click to edit Master title style</a:t>
             </a:r>
-            <a:endParaRPr kumimoji="0" lang="en-US"/>
           </a:p>
         </p:txBody>
       </p:sp>
@@ -1854,7 +1872,7 @@
           <a:p>
             <a:pPr lvl="0" eaLnBrk="1" latinLnBrk="0" hangingPunct="1"/>
             <a:r>
-              <a:rPr kumimoji="0" lang="en-US" smtClean="0"/>
+              <a:rPr kumimoji="0" lang="en-US"/>
               <a:t>Click to edit Master text styles</a:t>
             </a:r>
           </a:p>
@@ -1994,7 +2012,7 @@
           <a:p>
             <a:fld id="{B0E493D3-38AC-4F2B-95A3-6569A6B79874}" type="datetimeFigureOut">
               <a:rPr lang="bg-BG" smtClean="0"/>
-              <a:t>4.4.2021 г.</a:t>
+              <a:t>6.4.2021 г.</a:t>
             </a:fld>
             <a:endParaRPr lang="bg-BG"/>
           </a:p>
@@ -2058,10 +2076,9 @@
           <a:lstStyle/>
           <a:p>
             <a:r>
-              <a:rPr kumimoji="0" lang="en-US" smtClean="0"/>
+              <a:rPr kumimoji="0" lang="en-US"/>
               <a:t>Click to edit Master title style</a:t>
             </a:r>
-            <a:endParaRPr kumimoji="0" lang="en-US"/>
           </a:p>
         </p:txBody>
       </p:sp>
@@ -2107,7 +2124,7 @@
           <a:p>
             <a:fld id="{B0E493D3-38AC-4F2B-95A3-6569A6B79874}" type="datetimeFigureOut">
               <a:rPr lang="bg-BG" smtClean="0"/>
-              <a:t>4.4.2021 г.</a:t>
+              <a:t>6.4.2021 г.</a:t>
             </a:fld>
             <a:endParaRPr lang="bg-BG"/>
           </a:p>
@@ -2202,35 +2219,35 @@
           <a:p>
             <a:pPr lvl="0" eaLnBrk="1" latinLnBrk="0" hangingPunct="1"/>
             <a:r>
-              <a:rPr lang="en-US" smtClean="0"/>
+              <a:rPr lang="en-US"/>
               <a:t>Click to edit Master text styles</a:t>
             </a:r>
           </a:p>
           <a:p>
             <a:pPr lvl="1" eaLnBrk="1" latinLnBrk="0" hangingPunct="1"/>
             <a:r>
-              <a:rPr lang="en-US" smtClean="0"/>
+              <a:rPr lang="en-US"/>
               <a:t>Second level</a:t>
             </a:r>
           </a:p>
           <a:p>
             <a:pPr lvl="2" eaLnBrk="1" latinLnBrk="0" hangingPunct="1"/>
             <a:r>
-              <a:rPr lang="en-US" smtClean="0"/>
+              <a:rPr lang="en-US"/>
               <a:t>Third level</a:t>
             </a:r>
           </a:p>
           <a:p>
             <a:pPr lvl="3" eaLnBrk="1" latinLnBrk="0" hangingPunct="1"/>
             <a:r>
-              <a:rPr lang="en-US" smtClean="0"/>
+              <a:rPr lang="en-US"/>
               <a:t>Fourth level</a:t>
             </a:r>
           </a:p>
           <a:p>
             <a:pPr lvl="4" eaLnBrk="1" latinLnBrk="0" hangingPunct="1"/>
             <a:r>
-              <a:rPr lang="en-US" smtClean="0"/>
+              <a:rPr lang="en-US"/>
               <a:t>Fifth level</a:t>
             </a:r>
             <a:endParaRPr kumimoji="0" lang="en-US"/>
@@ -2290,7 +2307,7 @@
           <a:p>
             <a:pPr lvl="0" eaLnBrk="1" latinLnBrk="0" hangingPunct="1"/>
             <a:r>
-              <a:rPr kumimoji="0" lang="en-US" smtClean="0"/>
+              <a:rPr kumimoji="0" lang="en-US"/>
               <a:t>Click to edit Master text styles</a:t>
             </a:r>
           </a:p>
@@ -2333,10 +2350,9 @@
           </a:lstStyle>
           <a:p>
             <a:r>
-              <a:rPr kumimoji="0" lang="en-US" smtClean="0"/>
+              <a:rPr kumimoji="0" lang="en-US"/>
               <a:t>Click to edit Master title style</a:t>
             </a:r>
-            <a:endParaRPr kumimoji="0" lang="en-US"/>
           </a:p>
         </p:txBody>
       </p:sp>
@@ -2357,7 +2373,7 @@
           <a:p>
             <a:fld id="{B0E493D3-38AC-4F2B-95A3-6569A6B79874}" type="datetimeFigureOut">
               <a:rPr lang="bg-BG" smtClean="0"/>
-              <a:t>4.4.2021 г.</a:t>
+              <a:t>6.4.2021 г.</a:t>
             </a:fld>
             <a:endParaRPr lang="bg-BG"/>
           </a:p>
@@ -2467,10 +2483,9 @@
           </a:lstStyle>
           <a:p>
             <a:r>
-              <a:rPr kumimoji="0" lang="en-US" smtClean="0"/>
+              <a:rPr kumimoji="0" lang="en-US"/>
               <a:t>Click to edit Master title style</a:t>
             </a:r>
-            <a:endParaRPr kumimoji="0" lang="en-US"/>
           </a:p>
         </p:txBody>
       </p:sp>
@@ -2517,10 +2532,9 @@
           </a:lstStyle>
           <a:p>
             <a:r>
-              <a:rPr kumimoji="0" lang="en-US" smtClean="0"/>
+              <a:rPr kumimoji="0" lang="en-US"/>
               <a:t>Click icon to add picture</a:t>
             </a:r>
-            <a:endParaRPr kumimoji="0" lang="en-US"/>
           </a:p>
         </p:txBody>
       </p:sp>
@@ -2574,7 +2588,7 @@
           <a:p>
             <a:pPr lvl="0" eaLnBrk="1" latinLnBrk="0" hangingPunct="1"/>
             <a:r>
-              <a:rPr kumimoji="0" lang="en-US" smtClean="0"/>
+              <a:rPr kumimoji="0" lang="en-US"/>
               <a:t>Click to edit Master text styles</a:t>
             </a:r>
           </a:p>
@@ -2597,7 +2611,7 @@
           <a:p>
             <a:fld id="{B0E493D3-38AC-4F2B-95A3-6569A6B79874}" type="datetimeFigureOut">
               <a:rPr lang="bg-BG" smtClean="0"/>
-              <a:t>4.4.2021 г.</a:t>
+              <a:t>6.4.2021 г.</a:t>
             </a:fld>
             <a:endParaRPr lang="bg-BG"/>
           </a:p>
@@ -2702,38 +2716,37 @@
           <a:p>
             <a:pPr lvl="0" eaLnBrk="1" latinLnBrk="0" hangingPunct="1"/>
             <a:r>
-              <a:rPr kumimoji="0" lang="en-US" smtClean="0"/>
+              <a:rPr kumimoji="0" lang="en-US"/>
               <a:t>Click to edit Master text styles</a:t>
             </a:r>
           </a:p>
           <a:p>
             <a:pPr lvl="1" eaLnBrk="1" latinLnBrk="0" hangingPunct="1"/>
             <a:r>
-              <a:rPr kumimoji="0" lang="en-US" smtClean="0"/>
+              <a:rPr kumimoji="0" lang="en-US"/>
               <a:t>Second level</a:t>
             </a:r>
           </a:p>
           <a:p>
             <a:pPr lvl="2" eaLnBrk="1" latinLnBrk="0" hangingPunct="1"/>
             <a:r>
-              <a:rPr kumimoji="0" lang="en-US" smtClean="0"/>
+              <a:rPr kumimoji="0" lang="en-US"/>
               <a:t>Third level</a:t>
             </a:r>
           </a:p>
           <a:p>
             <a:pPr lvl="3" eaLnBrk="1" latinLnBrk="0" hangingPunct="1"/>
             <a:r>
-              <a:rPr kumimoji="0" lang="en-US" smtClean="0"/>
+              <a:rPr kumimoji="0" lang="en-US"/>
               <a:t>Fourth level</a:t>
             </a:r>
           </a:p>
           <a:p>
             <a:pPr lvl="4" eaLnBrk="1" latinLnBrk="0" hangingPunct="1"/>
             <a:r>
-              <a:rPr kumimoji="0" lang="en-US" smtClean="0"/>
+              <a:rPr kumimoji="0" lang="en-US"/>
               <a:t>Fifth level</a:t>
             </a:r>
-            <a:endParaRPr kumimoji="0" lang="en-US"/>
           </a:p>
         </p:txBody>
       </p:sp>
@@ -2770,7 +2783,7 @@
           <a:p>
             <a:fld id="{B0E493D3-38AC-4F2B-95A3-6569A6B79874}" type="datetimeFigureOut">
               <a:rPr lang="bg-BG" smtClean="0"/>
-              <a:t>4.4.2021 г.</a:t>
+              <a:t>6.4.2021 г.</a:t>
             </a:fld>
             <a:endParaRPr lang="bg-BG"/>
           </a:p>
@@ -2882,10 +2895,9 @@
           <a:lstStyle/>
           <a:p>
             <a:r>
-              <a:rPr kumimoji="0" lang="en-US" smtClean="0"/>
+              <a:rPr kumimoji="0" lang="en-US"/>
               <a:t>Click to edit Master title style</a:t>
             </a:r>
-            <a:endParaRPr kumimoji="0" lang="en-US"/>
           </a:p>
         </p:txBody>
       </p:sp>
@@ -3243,87 +3255,24 @@
       </p:grpSpPr>
       <p:sp>
         <p:nvSpPr>
-          <p:cNvPr id="5" name="Subtitle 4"/>
-          <p:cNvSpPr>
-            <a:spLocks noGrp="1"/>
-          </p:cNvSpPr>
-          <p:nvPr>
-            <p:ph type="subTitle" idx="1"/>
-          </p:nvPr>
-        </p:nvSpPr>
-        <p:spPr>
-          <a:xfrm>
-            <a:off x="457200" y="3699804"/>
-            <a:ext cx="8305800" cy="2249476"/>
-          </a:xfrm>
-        </p:spPr>
-        <p:txBody>
-          <a:bodyPr>
-            <a:normAutofit lnSpcReduction="10000"/>
-          </a:bodyPr>
-          <a:lstStyle/>
-          <a:p>
-            <a:pPr algn="r"/>
-            <a:endParaRPr lang="en-US" sz="3200" dirty="0" smtClean="0"/>
-          </a:p>
-          <a:p>
-            <a:pPr algn="r"/>
-            <a:endParaRPr lang="en-US" sz="3200" dirty="0"/>
-          </a:p>
-          <a:p>
-            <a:pPr algn="r"/>
-            <a:r>
-              <a:rPr lang="en-US" sz="3200" dirty="0" smtClean="0"/>
-              <a:t>Mario </a:t>
-            </a:r>
-            <a:r>
-              <a:rPr lang="en-US" sz="3200" dirty="0" err="1" smtClean="0"/>
-              <a:t>Krastev</a:t>
-            </a:r>
-            <a:endParaRPr lang="en-US" sz="3200" dirty="0" smtClean="0"/>
-          </a:p>
-          <a:p>
-            <a:pPr algn="r"/>
-            <a:r>
-              <a:rPr lang="en-US" sz="3200" dirty="0" err="1" smtClean="0"/>
-              <a:t>Georgi</a:t>
-            </a:r>
-            <a:r>
-              <a:rPr lang="en-US" sz="3200" dirty="0" smtClean="0"/>
-              <a:t> </a:t>
-            </a:r>
-            <a:r>
-              <a:rPr lang="en-US" sz="3200" dirty="0" err="1" smtClean="0"/>
-              <a:t>Taushanov</a:t>
-            </a:r>
-            <a:endParaRPr lang="bg-BG" sz="3200" dirty="0"/>
-          </a:p>
-        </p:txBody>
-      </p:sp>
-      <p:sp>
-        <p:nvSpPr>
           <p:cNvPr id="4" name="Title 3"/>
           <p:cNvSpPr>
             <a:spLocks noGrp="1"/>
           </p:cNvSpPr>
           <p:nvPr>
-            <p:ph type="ctrTitle"/>
-          </p:nvPr>
-        </p:nvSpPr>
-        <p:spPr>
-          <a:xfrm>
-            <a:off x="395536" y="116632"/>
-            <a:ext cx="8229600" cy="1828800"/>
-          </a:xfrm>
-        </p:spPr>
+            <p:ph type="title"/>
+          </p:nvPr>
+        </p:nvSpPr>
+        <p:spPr/>
         <p:txBody>
           <a:bodyPr>
             <a:normAutofit/>
           </a:bodyPr>
           <a:lstStyle/>
           <a:p>
-            <a:r>
-              <a:rPr lang="en-US" sz="6000" dirty="0" smtClean="0">
+            <a:pPr algn="ctr"/>
+            <a:r>
+              <a:rPr lang="en-US" sz="6000" dirty="0">
                 <a:effectLst/>
               </a:rPr>
               <a:t>    Diary online</a:t>
@@ -3331,6 +3280,220 @@
             <a:endParaRPr lang="bg-BG" sz="6000" dirty="0">
               <a:effectLst/>
             </a:endParaRPr>
+          </a:p>
+        </p:txBody>
+      </p:sp>
+      <p:pic>
+        <p:nvPicPr>
+          <p:cNvPr id="1026" name="Picture 2"/>
+          <p:cNvPicPr>
+            <a:picLocks noChangeAspect="1" noChangeArrowheads="1"/>
+          </p:cNvPicPr>
+          <p:nvPr/>
+        </p:nvPicPr>
+        <p:blipFill>
+          <a:blip r:embed="rId2">
+            <a:extLst>
+              <a:ext uri="{28A0092B-C50C-407E-A947-70E740481C1C}">
+                <a14:useLocalDpi xmlns:a14="http://schemas.microsoft.com/office/drawing/2010/main" val="0"/>
+              </a:ext>
+            </a:extLst>
+          </a:blip>
+          <a:srcRect/>
+          <a:stretch>
+            <a:fillRect/>
+          </a:stretch>
+        </p:blipFill>
+        <p:spPr bwMode="auto">
+          <a:xfrm>
+            <a:off x="1043608" y="1772816"/>
+            <a:ext cx="2570327" cy="2821881"/>
+          </a:xfrm>
+          <a:prstGeom prst="rect">
+            <a:avLst/>
+          </a:prstGeom>
+          <a:noFill/>
+          <a:ln>
+            <a:noFill/>
+          </a:ln>
+          <a:effectLst/>
+          <a:extLst>
+            <a:ext uri="{909E8E84-426E-40DD-AFC4-6F175D3DCCD1}">
+              <a14:hiddenFill xmlns:a14="http://schemas.microsoft.com/office/drawing/2010/main">
+                <a:solidFill>
+                  <a:schemeClr val="accent1"/>
+                </a:solidFill>
+              </a14:hiddenFill>
+            </a:ext>
+            <a:ext uri="{91240B29-F687-4F45-9708-019B960494DF}">
+              <a14:hiddenLine xmlns:a14="http://schemas.microsoft.com/office/drawing/2010/main" w="9525">
+                <a:solidFill>
+                  <a:schemeClr val="tx1"/>
+                </a:solidFill>
+                <a:miter lim="800000"/>
+                <a:headEnd/>
+                <a:tailEnd/>
+              </a14:hiddenLine>
+            </a:ext>
+            <a:ext uri="{AF507438-7753-43E0-B8FC-AC1667EBCBE1}">
+              <a14:hiddenEffects xmlns:a14="http://schemas.microsoft.com/office/drawing/2010/main">
+                <a:effectLst>
+                  <a:outerShdw dist="35921" dir="2700000" algn="ctr" rotWithShape="0">
+                    <a:schemeClr val="bg2"/>
+                  </a:outerShdw>
+                </a:effectLst>
+              </a14:hiddenEffects>
+            </a:ext>
+          </a:extLst>
+        </p:spPr>
+      </p:pic>
+      <p:pic>
+        <p:nvPicPr>
+          <p:cNvPr id="1027" name="Picture 3"/>
+          <p:cNvPicPr>
+            <a:picLocks noChangeAspect="1" noChangeArrowheads="1"/>
+          </p:cNvPicPr>
+          <p:nvPr/>
+        </p:nvPicPr>
+        <p:blipFill>
+          <a:blip r:embed="rId3">
+            <a:extLst>
+              <a:ext uri="{28A0092B-C50C-407E-A947-70E740481C1C}">
+                <a14:useLocalDpi xmlns:a14="http://schemas.microsoft.com/office/drawing/2010/main" val="0"/>
+              </a:ext>
+            </a:extLst>
+          </a:blip>
+          <a:srcRect/>
+          <a:stretch>
+            <a:fillRect/>
+          </a:stretch>
+        </p:blipFill>
+        <p:spPr bwMode="auto">
+          <a:xfrm>
+            <a:off x="4814807" y="1707592"/>
+            <a:ext cx="2581275" cy="2952328"/>
+          </a:xfrm>
+          <a:prstGeom prst="rect">
+            <a:avLst/>
+          </a:prstGeom>
+          <a:noFill/>
+          <a:ln>
+            <a:noFill/>
+          </a:ln>
+          <a:effectLst/>
+          <a:extLst>
+            <a:ext uri="{909E8E84-426E-40DD-AFC4-6F175D3DCCD1}">
+              <a14:hiddenFill xmlns:a14="http://schemas.microsoft.com/office/drawing/2010/main">
+                <a:solidFill>
+                  <a:schemeClr val="accent1"/>
+                </a:solidFill>
+              </a14:hiddenFill>
+            </a:ext>
+            <a:ext uri="{91240B29-F687-4F45-9708-019B960494DF}">
+              <a14:hiddenLine xmlns:a14="http://schemas.microsoft.com/office/drawing/2010/main" w="9525">
+                <a:solidFill>
+                  <a:schemeClr val="tx1"/>
+                </a:solidFill>
+                <a:miter lim="800000"/>
+                <a:headEnd/>
+                <a:tailEnd/>
+              </a14:hiddenLine>
+            </a:ext>
+            <a:ext uri="{AF507438-7753-43E0-B8FC-AC1667EBCBE1}">
+              <a14:hiddenEffects xmlns:a14="http://schemas.microsoft.com/office/drawing/2010/main">
+                <a:effectLst>
+                  <a:outerShdw dist="35921" dir="2700000" algn="ctr" rotWithShape="0">
+                    <a:schemeClr val="bg2"/>
+                  </a:outerShdw>
+                </a:effectLst>
+              </a14:hiddenEffects>
+            </a:ext>
+          </a:extLst>
+        </p:spPr>
+      </p:pic>
+      <p:sp>
+        <p:nvSpPr>
+          <p:cNvPr id="2" name="TextBox 1"/>
+          <p:cNvSpPr txBox="1"/>
+          <p:nvPr/>
+        </p:nvSpPr>
+        <p:spPr>
+          <a:xfrm>
+            <a:off x="1403648" y="4869160"/>
+            <a:ext cx="1574214" cy="646331"/>
+          </a:xfrm>
+          <a:prstGeom prst="rect">
+            <a:avLst/>
+          </a:prstGeom>
+          <a:noFill/>
+        </p:spPr>
+        <p:txBody>
+          <a:bodyPr wrap="none" rtlCol="0">
+            <a:spAutoFit/>
+          </a:bodyPr>
+          <a:lstStyle/>
+          <a:p>
+            <a:r>
+              <a:rPr lang="en-US" dirty="0" smtClean="0"/>
+              <a:t>Mario </a:t>
+            </a:r>
+            <a:r>
+              <a:rPr lang="en-US" dirty="0" err="1" smtClean="0"/>
+              <a:t>Krastev</a:t>
+            </a:r>
+            <a:endParaRPr lang="en-US" dirty="0" smtClean="0"/>
+          </a:p>
+          <a:p>
+            <a:r>
+              <a:rPr lang="en-US" dirty="0" smtClean="0"/>
+              <a:t>20 y/o</a:t>
+            </a:r>
+            <a:endParaRPr lang="bg-BG" dirty="0"/>
+          </a:p>
+        </p:txBody>
+      </p:sp>
+      <p:sp>
+        <p:nvSpPr>
+          <p:cNvPr id="3" name="TextBox 2"/>
+          <p:cNvSpPr txBox="1"/>
+          <p:nvPr/>
+        </p:nvSpPr>
+        <p:spPr>
+          <a:xfrm>
+            <a:off x="5090954" y="4869159"/>
+            <a:ext cx="1975413" cy="646331"/>
+          </a:xfrm>
+          <a:prstGeom prst="rect">
+            <a:avLst/>
+          </a:prstGeom>
+          <a:noFill/>
+        </p:spPr>
+        <p:txBody>
+          <a:bodyPr wrap="none" rtlCol="0">
+            <a:spAutoFit/>
+          </a:bodyPr>
+          <a:lstStyle/>
+          <a:p>
+            <a:r>
+              <a:rPr lang="en-US" dirty="0" err="1" smtClean="0"/>
+              <a:t>Georgi</a:t>
+            </a:r>
+            <a:r>
+              <a:rPr lang="en-US" dirty="0" smtClean="0"/>
+              <a:t> </a:t>
+            </a:r>
+            <a:r>
+              <a:rPr lang="en-US" dirty="0" err="1" smtClean="0"/>
+              <a:t>Taushanov</a:t>
+            </a:r>
+            <a:endParaRPr lang="en-US" dirty="0" smtClean="0"/>
+          </a:p>
+          <a:p>
+            <a:r>
+              <a:rPr lang="en-US" dirty="0" smtClean="0"/>
+              <a:t>24 y/o</a:t>
+            </a:r>
+            <a:endParaRPr lang="bg-BG" dirty="0"/>
           </a:p>
         </p:txBody>
       </p:sp>
@@ -3393,7 +3556,7 @@
           <a:p>
             <a:pPr algn="ctr"/>
             <a:r>
-              <a:rPr lang="en-US" dirty="0" smtClean="0"/>
+              <a:rPr lang="en-US" dirty="0"/>
               <a:t>Functionality</a:t>
             </a:r>
             <a:endParaRPr lang="bg-BG" dirty="0"/>
@@ -3427,7 +3590,7 @@
               <a:buChar char="q"/>
             </a:pPr>
             <a:r>
-              <a:rPr lang="en-US" sz="2400" dirty="0" smtClean="0"/>
+              <a:rPr lang="en-US" sz="2400" dirty="0"/>
               <a:t>Registration and Login</a:t>
             </a:r>
           </a:p>
@@ -3437,7 +3600,7 @@
               <a:buChar char="q"/>
             </a:pPr>
             <a:r>
-              <a:rPr lang="en-US" sz="2400" dirty="0" smtClean="0"/>
+              <a:rPr lang="en-US" sz="2400" dirty="0"/>
               <a:t>Diary creation</a:t>
             </a:r>
           </a:p>
@@ -3447,7 +3610,7 @@
               <a:buChar char="q"/>
             </a:pPr>
             <a:r>
-              <a:rPr lang="en-US" sz="2400" dirty="0" smtClean="0"/>
+              <a:rPr lang="en-US" sz="2400" dirty="0"/>
               <a:t>Creating sections in diary</a:t>
             </a:r>
           </a:p>
@@ -3457,7 +3620,7 @@
               <a:buChar char="q"/>
             </a:pPr>
             <a:r>
-              <a:rPr lang="en-US" sz="2400" dirty="0" smtClean="0"/>
+              <a:rPr lang="en-US" sz="2400" dirty="0"/>
               <a:t>Share sections with others</a:t>
             </a:r>
           </a:p>
@@ -3467,7 +3630,7 @@
               <a:buChar char="q"/>
             </a:pPr>
             <a:r>
-              <a:rPr lang="en-US" sz="2400" dirty="0" smtClean="0"/>
+              <a:rPr lang="en-US" sz="2400" dirty="0"/>
               <a:t>Following other users</a:t>
             </a:r>
           </a:p>
@@ -3477,7 +3640,7 @@
               <a:buChar char="q"/>
             </a:pPr>
             <a:r>
-              <a:rPr lang="en-US" sz="2400" dirty="0" smtClean="0"/>
+              <a:rPr lang="en-US" sz="2400" dirty="0"/>
               <a:t>Change section information </a:t>
             </a:r>
           </a:p>
@@ -3487,7 +3650,7 @@
               <a:buChar char="q"/>
             </a:pPr>
             <a:r>
-              <a:rPr lang="en-US" sz="2400" dirty="0" smtClean="0"/>
+              <a:rPr lang="en-US" sz="2400" dirty="0"/>
               <a:t>Getting all public sections from users followed by me</a:t>
             </a:r>
           </a:p>
@@ -3497,7 +3660,7 @@
               <a:buChar char="q"/>
             </a:pPr>
             <a:r>
-              <a:rPr lang="en-US" sz="2400" dirty="0" smtClean="0"/>
+              <a:rPr lang="en-US" sz="2400" dirty="0"/>
               <a:t>Comment sections</a:t>
             </a:r>
           </a:p>
@@ -3507,7 +3670,7 @@
               <a:buChar char="q"/>
             </a:pPr>
             <a:r>
-              <a:rPr lang="en-US" sz="2400" dirty="0" smtClean="0"/>
+              <a:rPr lang="en-US" sz="2400" dirty="0"/>
               <a:t>Like and dislike sections</a:t>
             </a:r>
             <a:endParaRPr lang="bg-BG" sz="2400" dirty="0"/>
@@ -3567,7 +3730,7 @@
           <a:lstStyle/>
           <a:p>
             <a:r>
-              <a:rPr lang="en-US" dirty="0" smtClean="0"/>
+              <a:rPr lang="en-US" dirty="0"/>
               <a:t>What did we use for creation ???</a:t>
             </a:r>
             <a:endParaRPr lang="bg-BG" dirty="0"/>
@@ -3601,7 +3764,7 @@
               <a:buChar char="§"/>
             </a:pPr>
             <a:r>
-              <a:rPr lang="en-US" sz="3200" b="1" dirty="0" smtClean="0"/>
+              <a:rPr lang="en-US" sz="3200" b="1" dirty="0"/>
               <a:t>Java 11</a:t>
             </a:r>
           </a:p>
@@ -3611,7 +3774,7 @@
               <a:buChar char="§"/>
             </a:pPr>
             <a:r>
-              <a:rPr lang="en-US" sz="3200" b="1" dirty="0" smtClean="0"/>
+              <a:rPr lang="en-US" sz="3200" b="1" dirty="0"/>
               <a:t>Spring Boot</a:t>
             </a:r>
           </a:p>
@@ -3621,7 +3784,7 @@
               <a:buChar char="§"/>
             </a:pPr>
             <a:r>
-              <a:rPr lang="en-US" sz="3200" b="1" dirty="0" smtClean="0"/>
+              <a:rPr lang="en-US" sz="3200" b="1" dirty="0"/>
               <a:t>Spring Rest</a:t>
             </a:r>
           </a:p>
@@ -3631,7 +3794,7 @@
               <a:buChar char="§"/>
             </a:pPr>
             <a:r>
-              <a:rPr lang="en-US" sz="3200" b="1" dirty="0" smtClean="0"/>
+              <a:rPr lang="en-US" sz="3200" b="1" dirty="0"/>
               <a:t>Maven</a:t>
             </a:r>
           </a:p>
@@ -3641,7 +3804,7 @@
               <a:buChar char="§"/>
             </a:pPr>
             <a:r>
-              <a:rPr lang="en-US" sz="3200" b="1" dirty="0" smtClean="0"/>
+              <a:rPr lang="en-US" sz="3200" b="1" dirty="0"/>
               <a:t>Hibernate</a:t>
             </a:r>
           </a:p>
@@ -3651,7 +3814,7 @@
               <a:buChar char="§"/>
             </a:pPr>
             <a:r>
-              <a:rPr lang="en-US" sz="3200" b="1" dirty="0" smtClean="0"/>
+              <a:rPr lang="en-US" sz="3200" b="1" dirty="0"/>
               <a:t>JPA</a:t>
             </a:r>
             <a:endParaRPr lang="bg-BG" sz="3200" b="1" dirty="0"/>
@@ -3685,7 +3848,7 @@
               <a:buChar char="§"/>
             </a:pPr>
             <a:r>
-              <a:rPr lang="en-US" sz="3200" b="1" dirty="0" smtClean="0"/>
+              <a:rPr lang="en-US" sz="3200" b="1" dirty="0"/>
               <a:t>MySQL</a:t>
             </a:r>
           </a:p>
@@ -3695,10 +3858,10 @@
               <a:buChar char="§"/>
             </a:pPr>
             <a:r>
-              <a:rPr lang="en-US" sz="3200" b="1" dirty="0" err="1" smtClean="0"/>
+              <a:rPr lang="en-US" sz="3200" b="1" dirty="0" err="1"/>
               <a:t>BCrypt</a:t>
             </a:r>
-            <a:endParaRPr lang="en-US" sz="3200" b="1" dirty="0" smtClean="0"/>
+            <a:endParaRPr lang="en-US" sz="3200" b="1" dirty="0"/>
           </a:p>
           <a:p>
             <a:pPr marL="457200" indent="-457200">
@@ -3706,7 +3869,7 @@
               <a:buChar char="§"/>
             </a:pPr>
             <a:r>
-              <a:rPr lang="en-US" sz="3200" b="1" dirty="0" smtClean="0"/>
+              <a:rPr lang="en-US" sz="3200" b="1" dirty="0"/>
               <a:t>Lombok</a:t>
             </a:r>
           </a:p>
@@ -3716,11 +3879,11 @@
               <a:buChar char="§"/>
             </a:pPr>
             <a:r>
-              <a:rPr lang="en-US" sz="3200" b="1" dirty="0" err="1" smtClean="0"/>
+              <a:rPr lang="en-US" sz="3200" b="1" dirty="0" err="1"/>
               <a:t>Intelli</a:t>
             </a:r>
             <a:r>
-              <a:rPr lang="en-US" sz="3200" b="1" dirty="0" smtClean="0"/>
+              <a:rPr lang="en-US" sz="3200" b="1" dirty="0"/>
               <a:t> JIDEA</a:t>
             </a:r>
           </a:p>
@@ -3730,7 +3893,7 @@
               <a:buChar char="§"/>
             </a:pPr>
             <a:r>
-              <a:rPr lang="en-US" sz="3200" b="1" dirty="0" smtClean="0"/>
+              <a:rPr lang="en-US" sz="3200" b="1" dirty="0"/>
               <a:t>POSTMAN</a:t>
             </a:r>
           </a:p>
@@ -3740,7 +3903,7 @@
               <a:buChar char="§"/>
             </a:pPr>
             <a:r>
-              <a:rPr lang="en-US" sz="3200" b="1" dirty="0" smtClean="0"/>
+              <a:rPr lang="en-US" sz="3200" b="1" dirty="0"/>
               <a:t>GIT</a:t>
             </a:r>
           </a:p>
@@ -3795,29 +3958,15 @@
         </p:nvSpPr>
         <p:spPr/>
         <p:txBody>
-          <a:bodyPr>
-            <a:normAutofit/>
-          </a:bodyPr>
+          <a:bodyPr/>
           <a:lstStyle/>
           <a:p>
             <a:pPr algn="ctr"/>
             <a:r>
-              <a:rPr lang="en-US" sz="5400" b="1" dirty="0">
-                <a:solidFill>
-                  <a:schemeClr val="tx1">
-                    <a:lumMod val="85000"/>
-                  </a:schemeClr>
-                </a:solidFill>
-              </a:rPr>
-              <a:t>Database Diagram</a:t>
-            </a:r>
-            <a:endParaRPr lang="bg-BG" sz="5400" dirty="0">
-              <a:solidFill>
-                <a:schemeClr val="tx1">
-                  <a:lumMod val="85000"/>
-                </a:schemeClr>
-              </a:solidFill>
-            </a:endParaRPr>
+              <a:rPr lang="en-US" b="1" dirty="0" smtClean="0"/>
+              <a:t>Swagger</a:t>
+            </a:r>
+            <a:endParaRPr lang="bg-BG" b="1" dirty="0"/>
           </a:p>
         </p:txBody>
       </p:sp>
@@ -3844,8 +3993,200 @@
         </p:blipFill>
         <p:spPr bwMode="auto">
           <a:xfrm>
-            <a:off x="827584" y="1458342"/>
-            <a:ext cx="7590001" cy="4783162"/>
+            <a:off x="6070962" y="1628800"/>
+            <a:ext cx="3073038" cy="4912002"/>
+          </a:xfrm>
+          <a:prstGeom prst="rect">
+            <a:avLst/>
+          </a:prstGeom>
+          <a:noFill/>
+          <a:ln>
+            <a:noFill/>
+          </a:ln>
+          <a:effectLst/>
+          <a:extLst>
+            <a:ext uri="{909E8E84-426E-40DD-AFC4-6F175D3DCCD1}">
+              <a14:hiddenFill xmlns:a14="http://schemas.microsoft.com/office/drawing/2010/main">
+                <a:solidFill>
+                  <a:schemeClr val="accent1"/>
+                </a:solidFill>
+              </a14:hiddenFill>
+            </a:ext>
+            <a:ext uri="{91240B29-F687-4F45-9708-019B960494DF}">
+              <a14:hiddenLine xmlns:a14="http://schemas.microsoft.com/office/drawing/2010/main" w="9525">
+                <a:solidFill>
+                  <a:schemeClr val="tx1"/>
+                </a:solidFill>
+                <a:miter lim="800000"/>
+                <a:headEnd/>
+                <a:tailEnd/>
+              </a14:hiddenLine>
+            </a:ext>
+            <a:ext uri="{AF507438-7753-43E0-B8FC-AC1667EBCBE1}">
+              <a14:hiddenEffects xmlns:a14="http://schemas.microsoft.com/office/drawing/2010/main">
+                <a:effectLst>
+                  <a:outerShdw dist="35921" dir="2700000" algn="ctr" rotWithShape="0">
+                    <a:schemeClr val="bg2"/>
+                  </a:outerShdw>
+                </a:effectLst>
+              </a14:hiddenEffects>
+            </a:ext>
+          </a:extLst>
+        </p:spPr>
+      </p:pic>
+      <p:pic>
+        <p:nvPicPr>
+          <p:cNvPr id="1028" name="Picture 4"/>
+          <p:cNvPicPr>
+            <a:picLocks noChangeAspect="1" noChangeArrowheads="1"/>
+          </p:cNvPicPr>
+          <p:nvPr/>
+        </p:nvPicPr>
+        <p:blipFill>
+          <a:blip r:embed="rId3">
+            <a:extLst>
+              <a:ext uri="{28A0092B-C50C-407E-A947-70E740481C1C}">
+                <a14:useLocalDpi xmlns:a14="http://schemas.microsoft.com/office/drawing/2010/main" val="0"/>
+              </a:ext>
+            </a:extLst>
+          </a:blip>
+          <a:srcRect/>
+          <a:stretch>
+            <a:fillRect/>
+          </a:stretch>
+        </p:blipFill>
+        <p:spPr bwMode="auto">
+          <a:xfrm>
+            <a:off x="2627249" y="1628800"/>
+            <a:ext cx="3443714" cy="4896726"/>
+          </a:xfrm>
+          <a:prstGeom prst="rect">
+            <a:avLst/>
+          </a:prstGeom>
+          <a:noFill/>
+          <a:ln>
+            <a:noFill/>
+          </a:ln>
+          <a:effectLst/>
+          <a:extLst>
+            <a:ext uri="{909E8E84-426E-40DD-AFC4-6F175D3DCCD1}">
+              <a14:hiddenFill xmlns:a14="http://schemas.microsoft.com/office/drawing/2010/main">
+                <a:solidFill>
+                  <a:schemeClr val="accent1"/>
+                </a:solidFill>
+              </a14:hiddenFill>
+            </a:ext>
+            <a:ext uri="{91240B29-F687-4F45-9708-019B960494DF}">
+              <a14:hiddenLine xmlns:a14="http://schemas.microsoft.com/office/drawing/2010/main" w="9525">
+                <a:solidFill>
+                  <a:schemeClr val="tx1"/>
+                </a:solidFill>
+                <a:miter lim="800000"/>
+                <a:headEnd/>
+                <a:tailEnd/>
+              </a14:hiddenLine>
+            </a:ext>
+            <a:ext uri="{AF507438-7753-43E0-B8FC-AC1667EBCBE1}">
+              <a14:hiddenEffects xmlns:a14="http://schemas.microsoft.com/office/drawing/2010/main">
+                <a:effectLst>
+                  <a:outerShdw dist="35921" dir="2700000" algn="ctr" rotWithShape="0">
+                    <a:schemeClr val="bg2"/>
+                  </a:outerShdw>
+                </a:effectLst>
+              </a14:hiddenEffects>
+            </a:ext>
+          </a:extLst>
+        </p:spPr>
+      </p:pic>
+      <p:pic>
+        <p:nvPicPr>
+          <p:cNvPr id="1029" name="Picture 5"/>
+          <p:cNvPicPr>
+            <a:picLocks noChangeAspect="1" noChangeArrowheads="1"/>
+          </p:cNvPicPr>
+          <p:nvPr/>
+        </p:nvPicPr>
+        <p:blipFill>
+          <a:blip r:embed="rId4">
+            <a:extLst>
+              <a:ext uri="{28A0092B-C50C-407E-A947-70E740481C1C}">
+                <a14:useLocalDpi xmlns:a14="http://schemas.microsoft.com/office/drawing/2010/main" val="0"/>
+              </a:ext>
+            </a:extLst>
+          </a:blip>
+          <a:srcRect/>
+          <a:stretch>
+            <a:fillRect/>
+          </a:stretch>
+        </p:blipFill>
+        <p:spPr bwMode="auto">
+          <a:xfrm>
+            <a:off x="34961" y="4437112"/>
+            <a:ext cx="2592288" cy="2103690"/>
+          </a:xfrm>
+          <a:prstGeom prst="rect">
+            <a:avLst/>
+          </a:prstGeom>
+          <a:noFill/>
+          <a:ln>
+            <a:noFill/>
+          </a:ln>
+          <a:effectLst/>
+          <a:extLst>
+            <a:ext uri="{909E8E84-426E-40DD-AFC4-6F175D3DCCD1}">
+              <a14:hiddenFill xmlns:a14="http://schemas.microsoft.com/office/drawing/2010/main">
+                <a:solidFill>
+                  <a:schemeClr val="accent1"/>
+                </a:solidFill>
+              </a14:hiddenFill>
+            </a:ext>
+            <a:ext uri="{91240B29-F687-4F45-9708-019B960494DF}">
+              <a14:hiddenLine xmlns:a14="http://schemas.microsoft.com/office/drawing/2010/main" w="9525">
+                <a:solidFill>
+                  <a:schemeClr val="tx1"/>
+                </a:solidFill>
+                <a:miter lim="800000"/>
+                <a:headEnd/>
+                <a:tailEnd/>
+              </a14:hiddenLine>
+            </a:ext>
+            <a:ext uri="{AF507438-7753-43E0-B8FC-AC1667EBCBE1}">
+              <a14:hiddenEffects xmlns:a14="http://schemas.microsoft.com/office/drawing/2010/main">
+                <a:effectLst>
+                  <a:outerShdw dist="35921" dir="2700000" algn="ctr" rotWithShape="0">
+                    <a:schemeClr val="bg2"/>
+                  </a:outerShdw>
+                </a:effectLst>
+              </a14:hiddenEffects>
+            </a:ext>
+          </a:extLst>
+        </p:spPr>
+      </p:pic>
+      <p:pic>
+        <p:nvPicPr>
+          <p:cNvPr id="1030" name="Picture 6"/>
+          <p:cNvPicPr>
+            <a:picLocks noChangeAspect="1" noChangeArrowheads="1"/>
+          </p:cNvPicPr>
+          <p:nvPr/>
+        </p:nvPicPr>
+        <p:blipFill>
+          <a:blip r:embed="rId5">
+            <a:extLst>
+              <a:ext uri="{28A0092B-C50C-407E-A947-70E740481C1C}">
+                <a14:useLocalDpi xmlns:a14="http://schemas.microsoft.com/office/drawing/2010/main" val="0"/>
+              </a:ext>
+            </a:extLst>
+          </a:blip>
+          <a:srcRect/>
+          <a:stretch>
+            <a:fillRect/>
+          </a:stretch>
+        </p:blipFill>
+        <p:spPr bwMode="auto">
+          <a:xfrm>
+            <a:off x="34961" y="1628800"/>
+            <a:ext cx="2600307" cy="2808312"/>
           </a:xfrm>
           <a:prstGeom prst="rect">
             <a:avLst/>
@@ -3888,7 +4229,7 @@
     </p:spTree>
     <p:extLst>
       <p:ext uri="{BB962C8B-B14F-4D97-AF65-F5344CB8AC3E}">
-        <p14:creationId xmlns:p14="http://schemas.microsoft.com/office/powerpoint/2010/main" val="2359299736"/>
+        <p14:creationId xmlns:p14="http://schemas.microsoft.com/office/powerpoint/2010/main" val="4185213126"/>
       </p:ext>
     </p:extLst>
   </p:cSld>
@@ -3924,6 +4265,111 @@
       </p:grpSpPr>
       <p:sp>
         <p:nvSpPr>
+          <p:cNvPr id="2" name="Title 1"/>
+          <p:cNvSpPr>
+            <a:spLocks noGrp="1"/>
+          </p:cNvSpPr>
+          <p:nvPr>
+            <p:ph type="title"/>
+          </p:nvPr>
+        </p:nvSpPr>
+        <p:spPr/>
+        <p:txBody>
+          <a:bodyPr>
+            <a:normAutofit/>
+          </a:bodyPr>
+          <a:lstStyle/>
+          <a:p>
+            <a:pPr algn="ctr"/>
+            <a:r>
+              <a:rPr lang="en-US" sz="5400" b="1" dirty="0">
+                <a:solidFill>
+                  <a:schemeClr val="tx1">
+                    <a:lumMod val="85000"/>
+                  </a:schemeClr>
+                </a:solidFill>
+              </a:rPr>
+              <a:t>Database Diagram</a:t>
+            </a:r>
+            <a:endParaRPr lang="bg-BG" sz="5400" dirty="0">
+              <a:solidFill>
+                <a:schemeClr val="tx1">
+                  <a:lumMod val="85000"/>
+                </a:schemeClr>
+              </a:solidFill>
+            </a:endParaRPr>
+          </a:p>
+        </p:txBody>
+      </p:sp>
+      <p:pic>
+        <p:nvPicPr>
+          <p:cNvPr id="3" name="Картина 3">
+            <a:extLst>
+              <a:ext uri="{FF2B5EF4-FFF2-40B4-BE49-F238E27FC236}">
+                <a16:creationId xmlns="" xmlns:a16="http://schemas.microsoft.com/office/drawing/2014/main" id="{73DF073E-50E0-4977-BCC0-BDA9B7A0D43C}"/>
+              </a:ext>
+            </a:extLst>
+          </p:cNvPr>
+          <p:cNvPicPr>
+            <a:picLocks noChangeAspect="1"/>
+          </p:cNvPicPr>
+          <p:nvPr/>
+        </p:nvPicPr>
+        <p:blipFill>
+          <a:blip r:embed="rId2"/>
+          <a:stretch>
+            <a:fillRect/>
+          </a:stretch>
+        </p:blipFill>
+        <p:spPr>
+          <a:xfrm>
+            <a:off x="767751" y="1367478"/>
+            <a:ext cx="7720641" cy="4890795"/>
+          </a:xfrm>
+          <a:prstGeom prst="rect">
+            <a:avLst/>
+          </a:prstGeom>
+        </p:spPr>
+      </p:pic>
+    </p:spTree>
+    <p:extLst>
+      <p:ext uri="{BB962C8B-B14F-4D97-AF65-F5344CB8AC3E}">
+        <p14:creationId xmlns:p14="http://schemas.microsoft.com/office/powerpoint/2010/main" val="2359299736"/>
+      </p:ext>
+    </p:extLst>
+  </p:cSld>
+  <p:clrMapOvr>
+    <a:masterClrMapping/>
+  </p:clrMapOvr>
+  <p:timing>
+    <p:tnLst>
+      <p:par>
+        <p:cTn id="1" dur="indefinite" restart="never" nodeType="tmRoot"/>
+      </p:par>
+    </p:tnLst>
+  </p:timing>
+</p:sld>
+</file>
+
+<file path=ppt/slides/slide6.xml><?xml version="1.0" encoding="utf-8"?>
+<p:sld xmlns:a="http://schemas.openxmlformats.org/drawingml/2006/main" xmlns:r="http://schemas.openxmlformats.org/officeDocument/2006/relationships" xmlns:p="http://schemas.openxmlformats.org/presentationml/2006/main">
+  <p:cSld>
+    <p:spTree>
+      <p:nvGrpSpPr>
+        <p:cNvPr id="1" name=""/>
+        <p:cNvGrpSpPr/>
+        <p:nvPr/>
+      </p:nvGrpSpPr>
+      <p:grpSpPr>
+        <a:xfrm>
+          <a:off x="0" y="0"/>
+          <a:ext cx="0" cy="0"/>
+          <a:chOff x="0" y="0"/>
+          <a:chExt cx="0" cy="0"/>
+        </a:xfrm>
+      </p:grpSpPr>
+      <p:sp>
+        <p:nvSpPr>
           <p:cNvPr id="3" name="Title 2"/>
           <p:cNvSpPr>
             <a:spLocks noGrp="1"/>
@@ -3944,7 +4390,7 @@
           <a:p>
             <a:pPr algn="ctr"/>
             <a:r>
-              <a:rPr lang="en-US" dirty="0" smtClean="0"/>
+              <a:rPr lang="en-US" dirty="0"/>
               <a:t>Class Diagram</a:t>
             </a:r>
             <a:endParaRPr lang="bg-BG" dirty="0"/>
@@ -3960,14 +4406,14 @@
           <p:nvPr>
             <p:extLst>
               <p:ext uri="{D42A27DB-BD31-4B8C-83A1-F6EECF244321}">
-                <p14:modId xmlns:p14="http://schemas.microsoft.com/office/powerpoint/2010/main" val="4206312778"/>
+                <p14:modId xmlns:p14="http://schemas.microsoft.com/office/powerpoint/2010/main" val="147567206"/>
               </p:ext>
             </p:extLst>
           </p:nvPr>
         </p:nvGraphicFramePr>
         <p:xfrm>
-          <a:off x="539552" y="2060848"/>
-          <a:ext cx="7920882" cy="3487536"/>
+          <a:off x="539552" y="1772816"/>
+          <a:ext cx="7920882" cy="3591855"/>
         </p:xfrm>
         <a:graphic>
           <a:graphicData uri="http://schemas.openxmlformats.org/drawingml/2006/table">
@@ -3976,14 +4422,50 @@
                 <a:tableStyleId>{5C22544A-7EE6-4342-B048-85BDC9FD1C3A}</a:tableStyleId>
               </a:tblPr>
               <a:tblGrid>
-                <a:gridCol w="1224136"/>
-                <a:gridCol w="1224136"/>
-                <a:gridCol w="1224136"/>
-                <a:gridCol w="1296144"/>
-                <a:gridCol w="1584176"/>
-                <a:gridCol w="1368154"/>
+                <a:gridCol w="1224136">
+                  <a:extLst>
+                    <a:ext uri="{9D8B030D-6E8A-4147-A177-3AD203B41FA5}">
+                      <a16:colId xmlns="" xmlns:a16="http://schemas.microsoft.com/office/drawing/2014/main" val="20000"/>
+                    </a:ext>
+                  </a:extLst>
+                </a:gridCol>
+                <a:gridCol w="1224136">
+                  <a:extLst>
+                    <a:ext uri="{9D8B030D-6E8A-4147-A177-3AD203B41FA5}">
+                      <a16:colId xmlns="" xmlns:a16="http://schemas.microsoft.com/office/drawing/2014/main" val="20001"/>
+                    </a:ext>
+                  </a:extLst>
+                </a:gridCol>
+                <a:gridCol w="1224136">
+                  <a:extLst>
+                    <a:ext uri="{9D8B030D-6E8A-4147-A177-3AD203B41FA5}">
+                      <a16:colId xmlns="" xmlns:a16="http://schemas.microsoft.com/office/drawing/2014/main" val="20002"/>
+                    </a:ext>
+                  </a:extLst>
+                </a:gridCol>
+                <a:gridCol w="1296144">
+                  <a:extLst>
+                    <a:ext uri="{9D8B030D-6E8A-4147-A177-3AD203B41FA5}">
+                      <a16:colId xmlns="" xmlns:a16="http://schemas.microsoft.com/office/drawing/2014/main" val="20003"/>
+                    </a:ext>
+                  </a:extLst>
+                </a:gridCol>
+                <a:gridCol w="1584176">
+                  <a:extLst>
+                    <a:ext uri="{9D8B030D-6E8A-4147-A177-3AD203B41FA5}">
+                      <a16:colId xmlns="" xmlns:a16="http://schemas.microsoft.com/office/drawing/2014/main" val="20004"/>
+                    </a:ext>
+                  </a:extLst>
+                </a:gridCol>
+                <a:gridCol w="1368154">
+                  <a:extLst>
+                    <a:ext uri="{9D8B030D-6E8A-4147-A177-3AD203B41FA5}">
+                      <a16:colId xmlns="" xmlns:a16="http://schemas.microsoft.com/office/drawing/2014/main" val="20005"/>
+                    </a:ext>
+                  </a:extLst>
+                </a:gridCol>
               </a:tblGrid>
-              <a:tr h="779130">
+              <a:tr h="432048">
                 <a:tc>
                   <a:txBody>
                     <a:bodyPr/>
@@ -3991,7 +4473,7 @@
                     <a:p>
                       <a:pPr algn="ctr"/>
                       <a:r>
-                        <a:rPr lang="en-US" sz="1600" dirty="0" smtClean="0">
+                        <a:rPr lang="en-US" sz="1600" dirty="0">
                           <a:solidFill>
                             <a:schemeClr val="tx1">
                               <a:lumMod val="95000"/>
@@ -4017,7 +4499,7 @@
                     <a:lstStyle/>
                     <a:p>
                       <a:r>
-                        <a:rPr lang="en-US" sz="1600" dirty="0" smtClean="0"/>
+                        <a:rPr lang="en-US" sz="1600" dirty="0"/>
                         <a:t>Controller</a:t>
                       </a:r>
                       <a:endParaRPr lang="bg-BG" sz="1600" dirty="0"/>
@@ -4032,7 +4514,7 @@
                     <a:p>
                       <a:pPr algn="ctr"/>
                       <a:r>
-                        <a:rPr lang="en-US" sz="1600" dirty="0" smtClean="0"/>
+                        <a:rPr lang="en-US" sz="1600" dirty="0"/>
                         <a:t>Service</a:t>
                       </a:r>
                       <a:endParaRPr lang="bg-BG" sz="1600" dirty="0"/>
@@ -4047,7 +4529,7 @@
                     <a:p>
                       <a:pPr algn="ctr"/>
                       <a:r>
-                        <a:rPr lang="en-US" sz="1600" dirty="0" smtClean="0"/>
+                        <a:rPr lang="en-US" sz="1600" dirty="0"/>
                         <a:t>Repository</a:t>
                       </a:r>
                       <a:endParaRPr lang="bg-BG" sz="1600" dirty="0"/>
@@ -4062,7 +4544,7 @@
                     <a:p>
                       <a:pPr algn="ctr"/>
                       <a:r>
-                        <a:rPr lang="en-US" dirty="0" smtClean="0"/>
+                        <a:rPr lang="en-US" dirty="0"/>
                         <a:t>Exception</a:t>
                       </a:r>
                       <a:endParaRPr lang="bg-BG" dirty="0"/>
@@ -4077,7 +4559,7 @@
                     <a:p>
                       <a:pPr algn="ctr"/>
                       <a:r>
-                        <a:rPr lang="en-US" dirty="0" smtClean="0"/>
+                        <a:rPr lang="en-US" dirty="0"/>
                         <a:t>DTO</a:t>
                       </a:r>
                       <a:endParaRPr lang="bg-BG" dirty="0"/>
@@ -4085,6 +4567,11 @@
                   </a:txBody>
                   <a:tcPr/>
                 </a:tc>
+                <a:extLst>
+                  <a:ext uri="{0D108BD9-81ED-4DB2-BD59-A6C34878D82A}">
+                    <a16:rowId xmlns="" xmlns:a16="http://schemas.microsoft.com/office/drawing/2014/main" val="10000"/>
+                  </a:ext>
+                </a:extLst>
               </a:tr>
               <a:tr h="451401">
                 <a:tc>
@@ -4093,7 +4580,7 @@
                     <a:lstStyle/>
                     <a:p>
                       <a:r>
-                        <a:rPr lang="en-US" dirty="0" smtClean="0"/>
+                        <a:rPr lang="en-US" dirty="0"/>
                         <a:t>User</a:t>
                       </a:r>
                       <a:endParaRPr lang="bg-BG" dirty="0"/>
@@ -4107,7 +4594,7 @@
                     <a:lstStyle/>
                     <a:p>
                       <a:r>
-                        <a:rPr lang="en-US" dirty="0" smtClean="0"/>
+                        <a:rPr lang="en-US" dirty="0"/>
                         <a:t>User</a:t>
                       </a:r>
                       <a:endParaRPr lang="bg-BG" dirty="0"/>
@@ -4121,7 +4608,7 @@
                     <a:lstStyle/>
                     <a:p>
                       <a:r>
-                        <a:rPr lang="en-US" dirty="0" smtClean="0"/>
+                        <a:rPr lang="en-US" dirty="0"/>
                         <a:t>User</a:t>
                       </a:r>
                       <a:endParaRPr lang="bg-BG" dirty="0"/>
@@ -4135,7 +4622,7 @@
                     <a:lstStyle/>
                     <a:p>
                       <a:r>
-                        <a:rPr lang="en-US" dirty="0" smtClean="0"/>
+                        <a:rPr lang="en-US" dirty="0"/>
                         <a:t>User</a:t>
                       </a:r>
                       <a:endParaRPr lang="bg-BG" dirty="0"/>
@@ -4149,7 +4636,7 @@
                     <a:lstStyle/>
                     <a:p>
                       <a:r>
-                        <a:rPr lang="en-US" sz="1600" dirty="0" smtClean="0"/>
+                        <a:rPr lang="en-US" sz="1600" dirty="0"/>
                         <a:t>Authentication</a:t>
                       </a:r>
                       <a:endParaRPr lang="bg-BG" sz="1600" dirty="0"/>
@@ -4163,14 +4650,23 @@
                     <a:lstStyle/>
                     <a:p>
                       <a:r>
+                        <a:rPr lang="en-US" dirty="0"/>
+                        <a:t>User  </a:t>
+                      </a:r>
+                      <a:r>
                         <a:rPr lang="en-US" dirty="0" smtClean="0"/>
-                        <a:t>User  x3</a:t>
+                        <a:t>x4</a:t>
                       </a:r>
                       <a:endParaRPr lang="bg-BG" dirty="0"/>
                     </a:p>
                   </a:txBody>
                   <a:tcPr/>
                 </a:tc>
+                <a:extLst>
+                  <a:ext uri="{0D108BD9-81ED-4DB2-BD59-A6C34878D82A}">
+                    <a16:rowId xmlns="" xmlns:a16="http://schemas.microsoft.com/office/drawing/2014/main" val="10001"/>
+                  </a:ext>
+                </a:extLst>
               </a:tr>
               <a:tr h="451401">
                 <a:tc>
@@ -4179,7 +4675,7 @@
                     <a:lstStyle/>
                     <a:p>
                       <a:r>
-                        <a:rPr lang="en-US" dirty="0" smtClean="0"/>
+                        <a:rPr lang="en-US" dirty="0"/>
                         <a:t>Comment</a:t>
                       </a:r>
                       <a:endParaRPr lang="bg-BG" dirty="0"/>
@@ -4193,7 +4689,7 @@
                     <a:lstStyle/>
                     <a:p>
                       <a:r>
-                        <a:rPr lang="en-US" dirty="0" smtClean="0"/>
+                        <a:rPr lang="en-US" dirty="0"/>
                         <a:t>Comment</a:t>
                       </a:r>
                       <a:endParaRPr lang="bg-BG" dirty="0"/>
@@ -4207,7 +4703,7 @@
                     <a:lstStyle/>
                     <a:p>
                       <a:r>
-                        <a:rPr lang="en-US" dirty="0" smtClean="0"/>
+                        <a:rPr lang="en-US" dirty="0"/>
                         <a:t>Comment</a:t>
                       </a:r>
                       <a:endParaRPr lang="bg-BG" dirty="0"/>
@@ -4221,7 +4717,7 @@
                     <a:lstStyle/>
                     <a:p>
                       <a:r>
-                        <a:rPr lang="en-US" dirty="0" smtClean="0"/>
+                        <a:rPr lang="en-US" dirty="0"/>
                         <a:t>Comment</a:t>
                       </a:r>
                       <a:endParaRPr lang="bg-BG" dirty="0"/>
@@ -4235,7 +4731,7 @@
                     <a:lstStyle/>
                     <a:p>
                       <a:r>
-                        <a:rPr lang="en-US" dirty="0" err="1" smtClean="0"/>
+                        <a:rPr lang="en-US" dirty="0" err="1"/>
                         <a:t>BadRequest</a:t>
                       </a:r>
                       <a:endParaRPr lang="bg-BG" dirty="0"/>
@@ -4249,7 +4745,7 @@
                     <a:lstStyle/>
                     <a:p>
                       <a:r>
-                        <a:rPr lang="en-US" dirty="0" smtClean="0"/>
+                        <a:rPr lang="en-US" dirty="0"/>
                         <a:t>Comment </a:t>
                       </a:r>
                       <a:endParaRPr lang="bg-BG" dirty="0"/>
@@ -4257,6 +4753,11 @@
                   </a:txBody>
                   <a:tcPr/>
                 </a:tc>
+                <a:extLst>
+                  <a:ext uri="{0D108BD9-81ED-4DB2-BD59-A6C34878D82A}">
+                    <a16:rowId xmlns="" xmlns:a16="http://schemas.microsoft.com/office/drawing/2014/main" val="10002"/>
+                  </a:ext>
+                </a:extLst>
               </a:tr>
               <a:tr h="451401">
                 <a:tc>
@@ -4265,7 +4766,7 @@
                     <a:lstStyle/>
                     <a:p>
                       <a:r>
-                        <a:rPr lang="en-US" dirty="0" smtClean="0"/>
+                        <a:rPr lang="en-US" dirty="0"/>
                         <a:t>Diary</a:t>
                       </a:r>
                       <a:endParaRPr lang="bg-BG" dirty="0"/>
@@ -4279,7 +4780,7 @@
                     <a:lstStyle/>
                     <a:p>
                       <a:r>
-                        <a:rPr lang="en-US" dirty="0" smtClean="0"/>
+                        <a:rPr lang="en-US" dirty="0"/>
                         <a:t>Diary</a:t>
                       </a:r>
                       <a:endParaRPr lang="bg-BG" dirty="0"/>
@@ -4293,7 +4794,7 @@
                     <a:lstStyle/>
                     <a:p>
                       <a:r>
-                        <a:rPr lang="en-US" dirty="0" smtClean="0"/>
+                        <a:rPr lang="en-US" dirty="0"/>
                         <a:t>Diary</a:t>
                       </a:r>
                       <a:endParaRPr lang="bg-BG" dirty="0"/>
@@ -4307,7 +4808,7 @@
                     <a:lstStyle/>
                     <a:p>
                       <a:r>
-                        <a:rPr lang="en-US" dirty="0" smtClean="0"/>
+                        <a:rPr lang="en-US" dirty="0"/>
                         <a:t>Diary</a:t>
                       </a:r>
                       <a:endParaRPr lang="bg-BG" dirty="0"/>
@@ -4321,7 +4822,7 @@
                     <a:lstStyle/>
                     <a:p>
                       <a:r>
-                        <a:rPr lang="en-US" dirty="0" err="1" smtClean="0"/>
+                        <a:rPr lang="en-US" dirty="0" err="1"/>
                         <a:t>NotFound</a:t>
                       </a:r>
                       <a:endParaRPr lang="bg-BG" dirty="0"/>
@@ -4335,7 +4836,7 @@
                     <a:lstStyle/>
                     <a:p>
                       <a:r>
-                        <a:rPr lang="en-US" dirty="0" smtClean="0"/>
+                        <a:rPr lang="en-US" dirty="0"/>
                         <a:t>Diary </a:t>
                       </a:r>
                       <a:endParaRPr lang="bg-BG" dirty="0"/>
@@ -4343,6 +4844,11 @@
                   </a:txBody>
                   <a:tcPr/>
                 </a:tc>
+                <a:extLst>
+                  <a:ext uri="{0D108BD9-81ED-4DB2-BD59-A6C34878D82A}">
+                    <a16:rowId xmlns="" xmlns:a16="http://schemas.microsoft.com/office/drawing/2014/main" val="10003"/>
+                  </a:ext>
+                </a:extLst>
               </a:tr>
               <a:tr h="451401">
                 <a:tc>
@@ -4351,7 +4857,7 @@
                     <a:lstStyle/>
                     <a:p>
                       <a:r>
-                        <a:rPr lang="en-US" dirty="0" smtClean="0"/>
+                        <a:rPr lang="en-US" dirty="0"/>
                         <a:t>Section</a:t>
                       </a:r>
                       <a:endParaRPr lang="bg-BG" dirty="0"/>
@@ -4365,7 +4871,7 @@
                     <a:lstStyle/>
                     <a:p>
                       <a:r>
-                        <a:rPr lang="en-US" dirty="0" smtClean="0"/>
+                        <a:rPr lang="en-US" dirty="0"/>
                         <a:t>Section</a:t>
                       </a:r>
                       <a:endParaRPr lang="bg-BG" dirty="0"/>
@@ -4379,7 +4885,7 @@
                     <a:lstStyle/>
                     <a:p>
                       <a:r>
-                        <a:rPr lang="en-US" dirty="0" smtClean="0"/>
+                        <a:rPr lang="en-US" dirty="0"/>
                         <a:t>Section</a:t>
                       </a:r>
                       <a:endParaRPr lang="bg-BG" dirty="0"/>
@@ -4393,7 +4899,7 @@
                     <a:lstStyle/>
                     <a:p>
                       <a:r>
-                        <a:rPr lang="en-US" dirty="0" smtClean="0"/>
+                        <a:rPr lang="en-US" dirty="0"/>
                         <a:t>Section</a:t>
                       </a:r>
                       <a:endParaRPr lang="bg-BG" dirty="0"/>
@@ -4417,14 +4923,23 @@
                     <a:lstStyle/>
                     <a:p>
                       <a:r>
+                        <a:rPr lang="en-US" dirty="0"/>
+                        <a:t>Section  </a:t>
+                      </a:r>
+                      <a:r>
                         <a:rPr lang="en-US" dirty="0" smtClean="0"/>
-                        <a:t>Section  x2</a:t>
+                        <a:t>x3</a:t>
                       </a:r>
                       <a:endParaRPr lang="bg-BG" dirty="0"/>
                     </a:p>
                   </a:txBody>
                   <a:tcPr/>
                 </a:tc>
+                <a:extLst>
+                  <a:ext uri="{0D108BD9-81ED-4DB2-BD59-A6C34878D82A}">
+                    <a16:rowId xmlns="" xmlns:a16="http://schemas.microsoft.com/office/drawing/2014/main" val="10004"/>
+                  </a:ext>
+                </a:extLst>
               </a:tr>
               <a:tr h="451401">
                 <a:tc>
@@ -4443,7 +4958,7 @@
                     <a:lstStyle/>
                     <a:p>
                       <a:r>
-                        <a:rPr lang="en-US" dirty="0" smtClean="0"/>
+                        <a:rPr lang="en-US" dirty="0"/>
                         <a:t>Session</a:t>
                       </a:r>
                       <a:endParaRPr lang="bg-BG" dirty="0"/>
@@ -4487,7 +5002,7 @@
                     <a:lstStyle/>
                     <a:p>
                       <a:r>
-                        <a:rPr lang="en-US" dirty="0" smtClean="0"/>
+                        <a:rPr lang="en-US" dirty="0"/>
                         <a:t>Success</a:t>
                       </a:r>
                       <a:endParaRPr lang="bg-BG" dirty="0"/>
@@ -4495,6 +5010,11 @@
                   </a:txBody>
                   <a:tcPr/>
                 </a:tc>
+                <a:extLst>
+                  <a:ext uri="{0D108BD9-81ED-4DB2-BD59-A6C34878D82A}">
+                    <a16:rowId xmlns="" xmlns:a16="http://schemas.microsoft.com/office/drawing/2014/main" val="10005"/>
+                  </a:ext>
+                </a:extLst>
               </a:tr>
               <a:tr h="451401">
                 <a:tc>
@@ -4513,9 +5033,84 @@
                     <a:lstStyle/>
                     <a:p>
                       <a:r>
-                        <a:rPr lang="en-US" dirty="0" smtClean="0"/>
+                        <a:rPr lang="en-US" dirty="0"/>
                         <a:t>Abstract</a:t>
                       </a:r>
+                      <a:endParaRPr lang="bg-BG" dirty="0"/>
+                    </a:p>
+                  </a:txBody>
+                  <a:tcPr/>
+                </a:tc>
+                <a:tc>
+                  <a:txBody>
+                    <a:bodyPr/>
+                    <a:lstStyle/>
+                    <a:p>
+                      <a:endParaRPr lang="bg-BG" dirty="0"/>
+                    </a:p>
+                  </a:txBody>
+                  <a:tcPr/>
+                </a:tc>
+                <a:tc>
+                  <a:txBody>
+                    <a:bodyPr/>
+                    <a:lstStyle/>
+                    <a:p>
+                      <a:endParaRPr lang="bg-BG" dirty="0"/>
+                    </a:p>
+                  </a:txBody>
+                  <a:tcPr/>
+                </a:tc>
+                <a:tc>
+                  <a:txBody>
+                    <a:bodyPr/>
+                    <a:lstStyle/>
+                    <a:p>
+                      <a:endParaRPr lang="bg-BG"/>
+                    </a:p>
+                  </a:txBody>
+                  <a:tcPr/>
+                </a:tc>
+                <a:tc>
+                  <a:txBody>
+                    <a:bodyPr/>
+                    <a:lstStyle/>
+                    <a:p>
+                      <a:r>
+                        <a:rPr lang="en-US" dirty="0" smtClean="0"/>
+                        <a:t>Error</a:t>
+                      </a:r>
+                      <a:r>
+                        <a:rPr lang="en-US" baseline="0" dirty="0" smtClean="0"/>
+                        <a:t> </a:t>
+                      </a:r>
+                      <a:endParaRPr lang="bg-BG" dirty="0"/>
+                    </a:p>
+                  </a:txBody>
+                  <a:tcPr/>
+                </a:tc>
+                <a:extLst>
+                  <a:ext uri="{0D108BD9-81ED-4DB2-BD59-A6C34878D82A}">
+                    <a16:rowId xmlns="" xmlns:a16="http://schemas.microsoft.com/office/drawing/2014/main" val="10006"/>
+                  </a:ext>
+                </a:extLst>
+              </a:tr>
+              <a:tr h="451401">
+                <a:tc>
+                  <a:txBody>
+                    <a:bodyPr/>
+                    <a:lstStyle/>
+                    <a:p>
+                      <a:endParaRPr lang="bg-BG"/>
+                    </a:p>
+                  </a:txBody>
+                  <a:tcPr/>
+                </a:tc>
+                <a:tc>
+                  <a:txBody>
+                    <a:bodyPr/>
+                    <a:lstStyle/>
+                    <a:p>
                       <a:endParaRPr lang="bg-BG" dirty="0"/>
                     </a:p>
                   </a:txBody>
@@ -4556,6 +5151,120 @@
                     <a:bodyPr/>
                     <a:lstStyle/>
                     <a:p>
+                      <a:r>
+                        <a:rPr lang="en-US" dirty="0" smtClean="0"/>
+                        <a:t>React</a:t>
+                      </a:r>
+                      <a:endParaRPr lang="bg-BG" dirty="0"/>
+                    </a:p>
+                  </a:txBody>
+                  <a:tcPr/>
+                </a:tc>
+              </a:tr>
+            </a:tbl>
+          </a:graphicData>
+        </a:graphic>
+      </p:graphicFrame>
+      <p:graphicFrame>
+        <p:nvGraphicFramePr>
+          <p:cNvPr id="5" name="Table 4"/>
+          <p:cNvGraphicFramePr>
+            <a:graphicFrameLocks noGrp="1"/>
+          </p:cNvGraphicFramePr>
+          <p:nvPr>
+            <p:extLst>
+              <p:ext uri="{D42A27DB-BD31-4B8C-83A1-F6EECF244321}">
+                <p14:modId xmlns:p14="http://schemas.microsoft.com/office/powerpoint/2010/main" val="2720129588"/>
+              </p:ext>
+            </p:extLst>
+          </p:nvPr>
+        </p:nvGraphicFramePr>
+        <p:xfrm>
+          <a:off x="1187624" y="5517232"/>
+          <a:ext cx="6192688" cy="365760"/>
+        </p:xfrm>
+        <a:graphic>
+          <a:graphicData uri="http://schemas.openxmlformats.org/drawingml/2006/table">
+            <a:tbl>
+              <a:tblPr firstRow="1" bandRow="1">
+                <a:tableStyleId>{5C22544A-7EE6-4342-B048-85BDC9FD1C3A}</a:tableStyleId>
+              </a:tblPr>
+              <a:tblGrid>
+                <a:gridCol w="6192688"/>
+              </a:tblGrid>
+              <a:tr h="298832">
+                <a:tc>
+                  <a:txBody>
+                    <a:bodyPr/>
+                    <a:lstStyle/>
+                    <a:p>
+                      <a:pPr algn="ctr"/>
+                      <a:r>
+                        <a:rPr lang="en-US" dirty="0" smtClean="0"/>
+                        <a:t>DAO</a:t>
+                      </a:r>
+                      <a:endParaRPr lang="bg-BG" dirty="0"/>
+                    </a:p>
+                  </a:txBody>
+                  <a:tcPr/>
+                </a:tc>
+              </a:tr>
+            </a:tbl>
+          </a:graphicData>
+        </a:graphic>
+      </p:graphicFrame>
+      <p:graphicFrame>
+        <p:nvGraphicFramePr>
+          <p:cNvPr id="6" name="Table 5"/>
+          <p:cNvGraphicFramePr>
+            <a:graphicFrameLocks noGrp="1"/>
+          </p:cNvGraphicFramePr>
+          <p:nvPr>
+            <p:extLst>
+              <p:ext uri="{D42A27DB-BD31-4B8C-83A1-F6EECF244321}">
+                <p14:modId xmlns:p14="http://schemas.microsoft.com/office/powerpoint/2010/main" val="1704869200"/>
+              </p:ext>
+            </p:extLst>
+          </p:nvPr>
+        </p:nvGraphicFramePr>
+        <p:xfrm>
+          <a:off x="1187624" y="5877272"/>
+          <a:ext cx="6192688" cy="370840"/>
+        </p:xfrm>
+        <a:graphic>
+          <a:graphicData uri="http://schemas.openxmlformats.org/drawingml/2006/table">
+            <a:tbl>
+              <a:tblPr firstRow="1" bandRow="1">
+                <a:tableStyleId>{5C22544A-7EE6-4342-B048-85BDC9FD1C3A}</a:tableStyleId>
+              </a:tblPr>
+              <a:tblGrid>
+                <a:gridCol w="3096344"/>
+                <a:gridCol w="3096344"/>
+              </a:tblGrid>
+              <a:tr h="370840">
+                <a:tc>
+                  <a:txBody>
+                    <a:bodyPr/>
+                    <a:lstStyle/>
+                    <a:p>
+                      <a:r>
+                        <a:rPr lang="en-US" dirty="0" err="1" smtClean="0"/>
+                        <a:t>UserDAO</a:t>
+                      </a:r>
+                      <a:endParaRPr lang="bg-BG" dirty="0"/>
+                    </a:p>
+                  </a:txBody>
+                  <a:tcPr/>
+                </a:tc>
+                <a:tc>
+                  <a:txBody>
+                    <a:bodyPr/>
+                    <a:lstStyle/>
+                    <a:p>
+                      <a:r>
+                        <a:rPr lang="en-US" dirty="0" err="1" smtClean="0"/>
+                        <a:t>SectionDbDAO</a:t>
+                      </a:r>
                       <a:endParaRPr lang="bg-BG" dirty="0"/>
                     </a:p>
                   </a:txBody>
@@ -4586,7 +5295,7 @@
 </p:sld>
 </file>
 
-<file path=ppt/slides/slide6.xml><?xml version="1.0" encoding="utf-8"?>
+<file path=ppt/slides/slide7.xml><?xml version="1.0" encoding="utf-8"?>
 <p:sld xmlns:a="http://schemas.openxmlformats.org/drawingml/2006/main" xmlns:r="http://schemas.openxmlformats.org/officeDocument/2006/relationships" xmlns:p="http://schemas.openxmlformats.org/presentationml/2006/main">
   <p:cSld>
     <p:spTree>
@@ -4620,7 +5329,7 @@
           <a:p>
             <a:pPr algn="ctr"/>
             <a:r>
-              <a:rPr lang="en-US" b="1" dirty="0" smtClean="0"/>
+              <a:rPr lang="en-US" b="1" dirty="0"/>
               <a:t>DEMO</a:t>
             </a:r>
             <a:endParaRPr lang="bg-BG" b="1" dirty="0"/>
@@ -4688,7 +5397,7 @@
 </p:sld>
 </file>
 
-<file path=ppt/slides/slide7.xml><?xml version="1.0" encoding="utf-8"?>
+<file path=ppt/slides/slide8.xml><?xml version="1.0" encoding="utf-8"?>
 <p:sld xmlns:a="http://schemas.openxmlformats.org/drawingml/2006/main" xmlns:r="http://schemas.openxmlformats.org/officeDocument/2006/relationships" xmlns:p="http://schemas.openxmlformats.org/presentationml/2006/main">
   <p:cSld>
     <p:spTree>
@@ -4722,15 +5431,15 @@
           <a:p>
             <a:pPr algn="ctr"/>
             <a:r>
-              <a:rPr lang="en-US" b="1" dirty="0" smtClean="0"/>
+              <a:rPr lang="en-US" b="1" dirty="0"/>
               <a:t>Questions</a:t>
             </a:r>
             <a:r>
-              <a:rPr lang="en-US" dirty="0" smtClean="0"/>
+              <a:rPr lang="en-US" dirty="0"/>
               <a:t> </a:t>
             </a:r>
             <a:r>
-              <a:rPr lang="en-US" b="1" dirty="0" smtClean="0"/>
+              <a:rPr lang="en-US" b="1" dirty="0"/>
               <a:t>?</a:t>
             </a:r>
             <a:endParaRPr lang="bg-BG" b="1" dirty="0"/>
@@ -4798,7 +5507,7 @@
 </p:sld>
 </file>
 
-<file path=ppt/slides/slide8.xml><?xml version="1.0" encoding="utf-8"?>
+<file path=ppt/slides/slide9.xml><?xml version="1.0" encoding="utf-8"?>
 <p:sld xmlns:a="http://schemas.openxmlformats.org/drawingml/2006/main" xmlns:r="http://schemas.openxmlformats.org/officeDocument/2006/relationships" xmlns:p="http://schemas.openxmlformats.org/presentationml/2006/main">
   <p:cSld>
     <p:spTree>
@@ -4837,7 +5546,7 @@
           <a:p>
             <a:pPr algn="ctr"/>
             <a:r>
-              <a:rPr lang="en-US" b="1" dirty="0" smtClean="0"/>
+              <a:rPr lang="en-US" b="1" dirty="0"/>
               <a:t>Thank you for your attention</a:t>
             </a:r>
             <a:endParaRPr lang="bg-BG" b="1" dirty="0"/>
